--- a/resources/Stage 4 – Produce/10-Content Mix/10-slide_deck.pptx
+++ b/resources/Stage 4 – Produce/10-Content Mix/10-slide_deck.pptx
@@ -4154,7 +4154,7 @@
             <a:pPr lvl="0"/>
             <a:r>
               <a:rPr/>
-              <a:t>used in instructor let environment</a:t>
+              <a:t>used in instructor led environment</a:t>
             </a:r>
           </a:p>
           <a:p>
